--- a/doc/ppt/第五课-mysql础.pptx
+++ b/doc/ppt/第五课-mysql础.pptx
@@ -7,13 +7,14 @@
   <p:sldIdLst>
     <p:sldId id="256" r:id="rId2"/>
     <p:sldId id="257" r:id="rId3"/>
-    <p:sldId id="258" r:id="rId4"/>
-    <p:sldId id="259" r:id="rId5"/>
-    <p:sldId id="260" r:id="rId6"/>
-    <p:sldId id="261" r:id="rId7"/>
-    <p:sldId id="262" r:id="rId8"/>
-    <p:sldId id="263" r:id="rId9"/>
-    <p:sldId id="264" r:id="rId10"/>
+    <p:sldId id="265" r:id="rId4"/>
+    <p:sldId id="258" r:id="rId5"/>
+    <p:sldId id="259" r:id="rId6"/>
+    <p:sldId id="260" r:id="rId7"/>
+    <p:sldId id="261" r:id="rId8"/>
+    <p:sldId id="262" r:id="rId9"/>
+    <p:sldId id="263" r:id="rId10"/>
+    <p:sldId id="264" r:id="rId11"/>
   </p:sldIdLst>
   <p:sldSz cx="9144000" cy="6858000" type="screen4x3"/>
   <p:notesSz cx="6858000" cy="9144000"/>
@@ -112,6 +113,22 @@
       </a:defRPr>
     </a:lvl9pPr>
   </p:defaultTextStyle>
+  <p:extLst>
+    <p:ext uri="{EFAFB233-063F-42B5-8137-9DF3F51BA10A}">
+      <p15:sldGuideLst xmlns:p15="http://schemas.microsoft.com/office/powerpoint/2012/main">
+        <p15:guide id="1" orient="horz" pos="2160">
+          <p15:clr>
+            <a:srgbClr val="A4A3A4"/>
+          </p15:clr>
+        </p15:guide>
+        <p15:guide id="2" pos="2880">
+          <p15:clr>
+            <a:srgbClr val="A4A3A4"/>
+          </p15:clr>
+        </p15:guide>
+      </p15:sldGuideLst>
+    </p:ext>
+  </p:extLst>
 </p:presentation>
 </file>
 
@@ -3129,6 +3146,117 @@
 </p:sld>
 </file>
 
+<file path=ppt/slides/slide10.xml><?xml version="1.0" encoding="utf-8"?>
+<p:sld xmlns:a="http://schemas.openxmlformats.org/drawingml/2006/main" xmlns:r="http://schemas.openxmlformats.org/officeDocument/2006/relationships" xmlns:p="http://schemas.openxmlformats.org/presentationml/2006/main">
+  <p:cSld>
+    <p:spTree>
+      <p:nvGrpSpPr>
+        <p:cNvPr id="1" name=""/>
+        <p:cNvGrpSpPr/>
+        <p:nvPr/>
+      </p:nvGrpSpPr>
+      <p:grpSpPr>
+        <a:xfrm>
+          <a:off x="0" y="0"/>
+          <a:ext cx="0" cy="0"/>
+          <a:chOff x="0" y="0"/>
+          <a:chExt cx="0" cy="0"/>
+        </a:xfrm>
+      </p:grpSpPr>
+      <p:sp>
+        <p:nvSpPr>
+          <p:cNvPr id="2" name="标题 1"/>
+          <p:cNvSpPr>
+            <a:spLocks noGrp="1"/>
+          </p:cNvSpPr>
+          <p:nvPr>
+            <p:ph type="title"/>
+          </p:nvPr>
+        </p:nvSpPr>
+        <p:spPr/>
+        <p:txBody>
+          <a:bodyPr/>
+          <a:lstStyle/>
+          <a:p>
+            <a:r>
+              <a:rPr lang="zh-CN" altLang="en-US" dirty="0" smtClean="0"/>
+              <a:t>使用</a:t>
+            </a:r>
+            <a:r>
+              <a:rPr lang="en-US" altLang="zh-CN" dirty="0" err="1" smtClean="0"/>
+              <a:t>orm</a:t>
+            </a:r>
+            <a:r>
+              <a:rPr lang="zh-CN" altLang="en-US" dirty="0" smtClean="0"/>
+              <a:t>完成学生管理系统</a:t>
+            </a:r>
+            <a:endParaRPr lang="zh-CN" altLang="en-US" dirty="0"/>
+          </a:p>
+        </p:txBody>
+      </p:sp>
+      <p:sp>
+        <p:nvSpPr>
+          <p:cNvPr id="3" name="内容占位符 2"/>
+          <p:cNvSpPr>
+            <a:spLocks noGrp="1"/>
+          </p:cNvSpPr>
+          <p:nvPr>
+            <p:ph idx="1"/>
+          </p:nvPr>
+        </p:nvSpPr>
+        <p:spPr/>
+        <p:txBody>
+          <a:bodyPr/>
+          <a:lstStyle/>
+          <a:p>
+            <a:r>
+              <a:rPr lang="zh-CN" altLang="en-US" dirty="0" smtClean="0"/>
+              <a:t>系统要求</a:t>
+            </a:r>
+            <a:endParaRPr lang="en-US" altLang="zh-CN" dirty="0" smtClean="0"/>
+          </a:p>
+          <a:p>
+            <a:pPr lvl="1"/>
+            <a:r>
+              <a:rPr lang="zh-CN" altLang="en-US" dirty="0" smtClean="0"/>
+              <a:t>前端页面展示</a:t>
+            </a:r>
+            <a:endParaRPr lang="en-US" altLang="zh-CN" dirty="0" smtClean="0"/>
+          </a:p>
+          <a:p>
+            <a:pPr lvl="1"/>
+            <a:r>
+              <a:rPr lang="zh-CN" altLang="en-US" dirty="0" smtClean="0"/>
+              <a:t>学生信息表设计</a:t>
+            </a:r>
+            <a:endParaRPr lang="en-US" altLang="zh-CN" dirty="0" smtClean="0"/>
+          </a:p>
+          <a:p>
+            <a:pPr lvl="1"/>
+            <a:r>
+              <a:rPr lang="zh-CN" altLang="en-US" dirty="0" smtClean="0"/>
+              <a:t>学生信息增删改查</a:t>
+            </a:r>
+            <a:endParaRPr lang="en-US" altLang="zh-CN" dirty="0" smtClean="0"/>
+          </a:p>
+          <a:p>
+            <a:pPr lvl="1"/>
+            <a:r>
+              <a:rPr lang="zh-CN" altLang="en-US" dirty="0" smtClean="0"/>
+              <a:t>增加登陆功能</a:t>
+            </a:r>
+            <a:endParaRPr lang="en-US" altLang="zh-CN" dirty="0" smtClean="0"/>
+          </a:p>
+        </p:txBody>
+      </p:sp>
+    </p:spTree>
+  </p:cSld>
+  <p:clrMapOvr>
+    <a:masterClrMapping/>
+  </p:clrMapOvr>
+</p:sld>
+</file>
+
 <file path=ppt/slides/slide2.xml><?xml version="1.0" encoding="utf-8"?>
 <p:sld xmlns:a="http://schemas.openxmlformats.org/drawingml/2006/main" xmlns:r="http://schemas.openxmlformats.org/officeDocument/2006/relationships" xmlns:p="http://schemas.openxmlformats.org/presentationml/2006/main">
   <p:cSld>
@@ -3276,12 +3404,8 @@
           <a:lstStyle/>
           <a:p>
             <a:r>
-              <a:rPr lang="en-US" altLang="zh-CN" dirty="0" err="1" smtClean="0"/>
-              <a:t>mysql</a:t>
-            </a:r>
-            <a:r>
-              <a:rPr lang="zh-CN" altLang="en-US" dirty="0" smtClean="0"/>
-              <a:t>管理操作</a:t>
+              <a:rPr lang="zh-CN" altLang="en-US" dirty="0" smtClean="0"/>
+              <a:t>学完这节课，我们会做什么</a:t>
             </a:r>
             <a:endParaRPr lang="zh-CN" altLang="en-US" dirty="0"/>
           </a:p>
@@ -3304,35 +3428,70 @@
           <a:p>
             <a:r>
               <a:rPr lang="zh-CN" altLang="en-US" dirty="0" smtClean="0"/>
-              <a:t>命令行连接</a:t>
+              <a:t>管理数据库</a:t>
             </a:r>
             <a:endParaRPr lang="en-US" altLang="zh-CN" dirty="0" smtClean="0"/>
           </a:p>
           <a:p>
             <a:r>
-              <a:rPr lang="en-US" altLang="zh-CN" dirty="0" err="1" smtClean="0"/>
-              <a:t>navicat</a:t>
-            </a:r>
-            <a:r>
-              <a:rPr lang="zh-CN" altLang="en-US" dirty="0" smtClean="0"/>
-              <a:t>连接</a:t>
+              <a:rPr lang="zh-CN" altLang="en-US" dirty="0" smtClean="0"/>
+              <a:t>使用命令行和可视化工具操作数据库</a:t>
             </a:r>
             <a:endParaRPr lang="en-US" altLang="zh-CN" dirty="0" smtClean="0"/>
           </a:p>
           <a:p>
+            <a:r>
+              <a:rPr lang="zh-CN" altLang="en-US" dirty="0" smtClean="0"/>
+              <a:t>使用</a:t>
+            </a:r>
             <a:r>
               <a:rPr lang="en-US" altLang="zh-CN" dirty="0" err="1" smtClean="0"/>
               <a:t>php</a:t>
             </a:r>
             <a:r>
               <a:rPr lang="zh-CN" altLang="en-US" dirty="0" smtClean="0"/>
-              <a:t>连接</a:t>
+              <a:t>操作数据库</a:t>
+            </a:r>
+            <a:endParaRPr lang="en-US" altLang="zh-CN" dirty="0" smtClean="0"/>
+          </a:p>
+          <a:p>
+            <a:r>
+              <a:rPr lang="zh-CN" altLang="en-US" dirty="0" smtClean="0"/>
+              <a:t>会使用</a:t>
+            </a:r>
+            <a:r>
+              <a:rPr lang="en-US" altLang="zh-CN" dirty="0" err="1" smtClean="0"/>
+              <a:t>pdo</a:t>
+            </a:r>
+            <a:endParaRPr lang="en-US" altLang="zh-CN" dirty="0" smtClean="0"/>
+          </a:p>
+          <a:p>
+            <a:r>
+              <a:rPr lang="zh-CN" altLang="en-US" dirty="0" smtClean="0"/>
+              <a:t>会使用</a:t>
+            </a:r>
+            <a:r>
+              <a:rPr lang="en-US" altLang="zh-CN" dirty="0" err="1" smtClean="0"/>
+              <a:t>pdo</a:t>
+            </a:r>
+            <a:r>
+              <a:rPr lang="zh-CN" altLang="en-US" dirty="0" smtClean="0"/>
+              <a:t>做一个自己的</a:t>
+            </a:r>
+            <a:r>
+              <a:rPr lang="en-US" altLang="zh-CN" dirty="0" err="1" smtClean="0"/>
+              <a:t>orm</a:t>
             </a:r>
             <a:endParaRPr lang="zh-CN" altLang="en-US" dirty="0"/>
           </a:p>
         </p:txBody>
       </p:sp>
     </p:spTree>
+    <p:extLst>
+      <p:ext uri="{BB962C8B-B14F-4D97-AF65-F5344CB8AC3E}">
+        <p14:creationId xmlns:p14="http://schemas.microsoft.com/office/powerpoint/2010/main" val="1422335250"/>
+      </p:ext>
+    </p:extLst>
   </p:cSld>
   <p:clrMapOvr>
     <a:masterClrMapping/>
@@ -3373,13 +3532,13 @@
           <a:lstStyle/>
           <a:p>
             <a:r>
-              <a:rPr lang="zh-CN" altLang="en-US" dirty="0" smtClean="0"/>
-              <a:t>命令行连接</a:t>
-            </a:r>
-            <a:r>
               <a:rPr lang="en-US" altLang="zh-CN" dirty="0" err="1" smtClean="0"/>
               <a:t>mysql</a:t>
             </a:r>
+            <a:r>
+              <a:rPr lang="zh-CN" altLang="en-US" dirty="0" smtClean="0"/>
+              <a:t>管理操作</a:t>
+            </a:r>
             <a:endParaRPr lang="zh-CN" altLang="en-US" dirty="0"/>
           </a:p>
         </p:txBody>
@@ -3401,18 +3560,29 @@
           <a:p>
             <a:r>
               <a:rPr lang="zh-CN" altLang="en-US" dirty="0" smtClean="0"/>
-              <a:t>连接命令</a:t>
+              <a:t>命令行连接</a:t>
             </a:r>
             <a:endParaRPr lang="en-US" altLang="zh-CN" dirty="0" smtClean="0"/>
           </a:p>
           <a:p>
             <a:r>
-              <a:rPr lang="zh-CN" altLang="en-US" dirty="0" smtClean="0"/>
-              <a:t>执行</a:t>
-            </a:r>
-            <a:r>
               <a:rPr lang="en-US" altLang="zh-CN" dirty="0" err="1" smtClean="0"/>
-              <a:t>sql</a:t>
+              <a:t>navicat</a:t>
+            </a:r>
+            <a:r>
+              <a:rPr lang="zh-CN" altLang="en-US" dirty="0" smtClean="0"/>
+              <a:t>连接</a:t>
+            </a:r>
+            <a:endParaRPr lang="en-US" altLang="zh-CN" dirty="0" smtClean="0"/>
+          </a:p>
+          <a:p>
+            <a:r>
+              <a:rPr lang="en-US" altLang="zh-CN" dirty="0" err="1" smtClean="0"/>
+              <a:t>php</a:t>
+            </a:r>
+            <a:r>
+              <a:rPr lang="zh-CN" altLang="en-US" dirty="0" smtClean="0"/>
+              <a:t>连接</a:t>
             </a:r>
             <a:endParaRPr lang="zh-CN" altLang="en-US" dirty="0"/>
           </a:p>
@@ -3459,159 +3629,46 @@
           <a:lstStyle/>
           <a:p>
             <a:r>
+              <a:rPr lang="zh-CN" altLang="en-US" dirty="0" smtClean="0"/>
+              <a:t>命令行连接</a:t>
+            </a:r>
+            <a:r>
+              <a:rPr lang="en-US" altLang="zh-CN" dirty="0" err="1" smtClean="0"/>
+              <a:t>mysql</a:t>
+            </a:r>
+            <a:endParaRPr lang="zh-CN" altLang="en-US" dirty="0"/>
+          </a:p>
+        </p:txBody>
+      </p:sp>
+      <p:sp>
+        <p:nvSpPr>
+          <p:cNvPr id="3" name="内容占位符 2"/>
+          <p:cNvSpPr>
+            <a:spLocks noGrp="1"/>
+          </p:cNvSpPr>
+          <p:nvPr>
+            <p:ph idx="1"/>
+          </p:nvPr>
+        </p:nvSpPr>
+        <p:spPr/>
+        <p:txBody>
+          <a:bodyPr/>
+          <a:lstStyle/>
+          <a:p>
+            <a:r>
+              <a:rPr lang="zh-CN" altLang="en-US" dirty="0" smtClean="0"/>
+              <a:t>连接命令</a:t>
+            </a:r>
+            <a:endParaRPr lang="en-US" altLang="zh-CN" dirty="0" smtClean="0"/>
+          </a:p>
+          <a:p>
+            <a:r>
+              <a:rPr lang="zh-CN" altLang="en-US" dirty="0" smtClean="0"/>
+              <a:t>执行</a:t>
+            </a:r>
+            <a:r>
               <a:rPr lang="en-US" altLang="zh-CN" dirty="0" err="1" smtClean="0"/>
               <a:t>sql</a:t>
-            </a:r>
-            <a:r>
-              <a:rPr lang="zh-CN" altLang="en-US" dirty="0" smtClean="0"/>
-              <a:t>操作</a:t>
-            </a:r>
-            <a:endParaRPr lang="zh-CN" altLang="en-US" dirty="0"/>
-          </a:p>
-        </p:txBody>
-      </p:sp>
-      <p:sp>
-        <p:nvSpPr>
-          <p:cNvPr id="3" name="内容占位符 2"/>
-          <p:cNvSpPr>
-            <a:spLocks noGrp="1"/>
-          </p:cNvSpPr>
-          <p:nvPr>
-            <p:ph idx="1"/>
-          </p:nvPr>
-        </p:nvSpPr>
-        <p:spPr/>
-        <p:txBody>
-          <a:bodyPr>
-            <a:normAutofit fontScale="62500" lnSpcReduction="20000"/>
-          </a:bodyPr>
-          <a:lstStyle/>
-          <a:p>
-            <a:r>
-              <a:rPr lang="zh-CN" altLang="en-US" dirty="0" smtClean="0"/>
-              <a:t>数据库</a:t>
-            </a:r>
-            <a:endParaRPr lang="en-US" altLang="zh-CN" dirty="0" smtClean="0"/>
-          </a:p>
-          <a:p>
-            <a:pPr lvl="1"/>
-            <a:r>
-              <a:rPr lang="zh-CN" altLang="en-US" dirty="0" smtClean="0"/>
-              <a:t>查询数据库</a:t>
-            </a:r>
-            <a:endParaRPr lang="en-US" altLang="zh-CN" dirty="0" smtClean="0"/>
-          </a:p>
-          <a:p>
-            <a:pPr lvl="1"/>
-            <a:r>
-              <a:rPr lang="zh-CN" altLang="en-US" dirty="0" smtClean="0"/>
-              <a:t>创建数据库</a:t>
-            </a:r>
-            <a:endParaRPr lang="en-US" altLang="zh-CN" dirty="0" smtClean="0"/>
-          </a:p>
-          <a:p>
-            <a:pPr lvl="1"/>
-            <a:r>
-              <a:rPr lang="zh-CN" altLang="en-US" dirty="0" smtClean="0"/>
-              <a:t>删除数据库</a:t>
-            </a:r>
-            <a:endParaRPr lang="en-US" altLang="zh-CN" dirty="0" smtClean="0"/>
-          </a:p>
-          <a:p>
-            <a:r>
-              <a:rPr lang="zh-CN" altLang="en-US" dirty="0" smtClean="0"/>
-              <a:t>数据表</a:t>
-            </a:r>
-            <a:endParaRPr lang="en-US" altLang="zh-CN" dirty="0" smtClean="0"/>
-          </a:p>
-          <a:p>
-            <a:pPr lvl="1"/>
-            <a:r>
-              <a:rPr lang="zh-CN" altLang="en-US" dirty="0" smtClean="0"/>
-              <a:t>创建</a:t>
-            </a:r>
-            <a:r>
-              <a:rPr lang="zh-CN" altLang="en-US" dirty="0" smtClean="0"/>
-              <a:t>表</a:t>
-            </a:r>
-            <a:endParaRPr lang="en-US" altLang="zh-CN" dirty="0" smtClean="0"/>
-          </a:p>
-          <a:p>
-            <a:pPr lvl="1"/>
-            <a:r>
-              <a:rPr lang="zh-CN" altLang="en-US" dirty="0" smtClean="0"/>
-              <a:t>查看表</a:t>
-            </a:r>
-            <a:endParaRPr lang="en-US" altLang="zh-CN" dirty="0" smtClean="0"/>
-          </a:p>
-          <a:p>
-            <a:pPr lvl="1"/>
-            <a:r>
-              <a:rPr lang="zh-CN" altLang="en-US" dirty="0" smtClean="0"/>
-              <a:t>查看表结构</a:t>
-            </a:r>
-            <a:endParaRPr lang="en-US" altLang="zh-CN" dirty="0" smtClean="0"/>
-          </a:p>
-          <a:p>
-            <a:pPr lvl="1"/>
-            <a:r>
-              <a:rPr lang="zh-CN" altLang="en-US" dirty="0" smtClean="0"/>
-              <a:t>删除</a:t>
-            </a:r>
-            <a:r>
-              <a:rPr lang="zh-CN" altLang="en-US" dirty="0" smtClean="0"/>
-              <a:t>表</a:t>
-            </a:r>
-            <a:endParaRPr lang="en-US" altLang="zh-CN" dirty="0" smtClean="0"/>
-          </a:p>
-          <a:p>
-            <a:pPr lvl="1"/>
-            <a:r>
-              <a:rPr lang="zh-CN" altLang="en-US" dirty="0" smtClean="0"/>
-              <a:t>修改表</a:t>
-            </a:r>
-            <a:endParaRPr lang="en-US" altLang="zh-CN" dirty="0" smtClean="0"/>
-          </a:p>
-          <a:p>
-            <a:r>
-              <a:rPr lang="zh-CN" altLang="en-US" dirty="0" smtClean="0"/>
-              <a:t>数据</a:t>
-            </a:r>
-            <a:r>
-              <a:rPr lang="zh-CN" altLang="en-US" dirty="0" smtClean="0"/>
-              <a:t>行</a:t>
-            </a:r>
-            <a:endParaRPr lang="en-US" altLang="zh-CN" dirty="0" smtClean="0"/>
-          </a:p>
-          <a:p>
-            <a:pPr lvl="1"/>
-            <a:r>
-              <a:rPr lang="zh-CN" altLang="en-US" dirty="0" smtClean="0"/>
-              <a:t>插入数据</a:t>
-            </a:r>
-            <a:endParaRPr lang="en-US" altLang="zh-CN" dirty="0" smtClean="0"/>
-          </a:p>
-          <a:p>
-            <a:pPr lvl="1"/>
-            <a:r>
-              <a:rPr lang="zh-CN" altLang="en-US" dirty="0" smtClean="0"/>
-              <a:t>删除数据</a:t>
-            </a:r>
-            <a:endParaRPr lang="en-US" altLang="zh-CN" dirty="0" smtClean="0"/>
-          </a:p>
-          <a:p>
-            <a:pPr lvl="1"/>
-            <a:r>
-              <a:rPr lang="zh-CN" altLang="en-US" dirty="0" smtClean="0"/>
-              <a:t>修改数据</a:t>
-            </a:r>
-            <a:endParaRPr lang="en-US" altLang="zh-CN" dirty="0" smtClean="0"/>
-          </a:p>
-          <a:p>
-            <a:pPr lvl="1"/>
-            <a:r>
-              <a:rPr lang="zh-CN" altLang="en-US" dirty="0" smtClean="0"/>
-              <a:t>查询数据 </a:t>
             </a:r>
             <a:endParaRPr lang="zh-CN" altLang="en-US" dirty="0"/>
           </a:p>
@@ -3663,7 +3720,7 @@
             </a:r>
             <a:r>
               <a:rPr lang="zh-CN" altLang="en-US" dirty="0" smtClean="0"/>
-              <a:t>常用函数</a:t>
+              <a:t>操作</a:t>
             </a:r>
             <a:endParaRPr lang="zh-CN" altLang="en-US" dirty="0"/>
           </a:p>
@@ -3682,89 +3739,123 @@
         <p:spPr/>
         <p:txBody>
           <a:bodyPr>
-            <a:normAutofit fontScale="77500" lnSpcReduction="20000"/>
+            <a:normAutofit fontScale="62500" lnSpcReduction="20000"/>
           </a:bodyPr>
           <a:lstStyle/>
           <a:p>
             <a:r>
-              <a:rPr lang="en-US" altLang="zh-CN" dirty="0" smtClean="0"/>
-              <a:t>sum()</a:t>
-            </a:r>
-          </a:p>
-          <a:p>
-            <a:r>
-              <a:rPr lang="en-US" altLang="zh-CN" dirty="0" smtClean="0"/>
-              <a:t>count()</a:t>
-            </a:r>
-          </a:p>
-          <a:p>
-            <a:r>
-              <a:rPr lang="en-US" altLang="zh-CN" dirty="0" err="1" smtClean="0"/>
-              <a:t>avg</a:t>
-            </a:r>
-            <a:r>
-              <a:rPr lang="en-US" altLang="zh-CN" dirty="0" smtClean="0"/>
-              <a:t>()</a:t>
-            </a:r>
-          </a:p>
-          <a:p>
-            <a:r>
-              <a:rPr lang="en-US" altLang="zh-CN" dirty="0" smtClean="0"/>
-              <a:t>max()</a:t>
-            </a:r>
-          </a:p>
-          <a:p>
-            <a:r>
-              <a:rPr lang="en-US" altLang="zh-CN" dirty="0" smtClean="0"/>
-              <a:t>min()</a:t>
-            </a:r>
-          </a:p>
-          <a:p>
-            <a:r>
-              <a:rPr lang="en-US" altLang="zh-CN" dirty="0" smtClean="0"/>
-              <a:t>group </a:t>
-            </a:r>
-            <a:r>
-              <a:rPr lang="en-US" altLang="zh-CN" dirty="0" smtClean="0"/>
-              <a:t>by</a:t>
-            </a:r>
-          </a:p>
-          <a:p>
-            <a:r>
-              <a:rPr lang="en-US" altLang="zh-CN" dirty="0" smtClean="0"/>
-              <a:t>mid()</a:t>
-            </a:r>
-          </a:p>
-          <a:p>
-            <a:r>
-              <a:rPr lang="en-US" altLang="zh-CN" dirty="0" err="1" smtClean="0"/>
-              <a:t>len</a:t>
-            </a:r>
-            <a:r>
-              <a:rPr lang="en-US" altLang="zh-CN" dirty="0" smtClean="0"/>
-              <a:t>()</a:t>
-            </a:r>
-          </a:p>
-          <a:p>
-            <a:r>
-              <a:rPr lang="en-US" altLang="zh-CN" dirty="0" smtClean="0"/>
-              <a:t>now()</a:t>
-            </a:r>
-          </a:p>
-          <a:p>
-            <a:r>
-              <a:rPr lang="en-US" altLang="zh-CN" dirty="0" err="1" smtClean="0"/>
-              <a:t>date_format</a:t>
-            </a:r>
-            <a:r>
-              <a:rPr lang="en-US" altLang="zh-CN" dirty="0" smtClean="0"/>
-              <a:t>()</a:t>
-            </a:r>
-          </a:p>
-          <a:p>
-            <a:r>
-              <a:rPr lang="en-US" altLang="zh-CN" dirty="0" smtClean="0"/>
-              <a:t>format()</a:t>
+              <a:rPr lang="zh-CN" altLang="en-US" dirty="0" smtClean="0"/>
+              <a:t>数据库</a:t>
+            </a:r>
+            <a:endParaRPr lang="en-US" altLang="zh-CN" dirty="0" smtClean="0"/>
+          </a:p>
+          <a:p>
+            <a:pPr lvl="1"/>
+            <a:r>
+              <a:rPr lang="zh-CN" altLang="en-US" dirty="0" smtClean="0"/>
+              <a:t>查询数据库</a:t>
+            </a:r>
+            <a:endParaRPr lang="en-US" altLang="zh-CN" dirty="0" smtClean="0"/>
+          </a:p>
+          <a:p>
+            <a:pPr lvl="1"/>
+            <a:r>
+              <a:rPr lang="zh-CN" altLang="en-US" dirty="0" smtClean="0"/>
+              <a:t>创建数据库</a:t>
+            </a:r>
+            <a:endParaRPr lang="en-US" altLang="zh-CN" dirty="0" smtClean="0"/>
+          </a:p>
+          <a:p>
+            <a:pPr lvl="1"/>
+            <a:r>
+              <a:rPr lang="zh-CN" altLang="en-US" dirty="0" smtClean="0"/>
+              <a:t>删除数据库</a:t>
+            </a:r>
+            <a:endParaRPr lang="en-US" altLang="zh-CN" dirty="0" smtClean="0"/>
+          </a:p>
+          <a:p>
+            <a:r>
+              <a:rPr lang="zh-CN" altLang="en-US" dirty="0" smtClean="0"/>
+              <a:t>数据表</a:t>
+            </a:r>
+            <a:endParaRPr lang="en-US" altLang="zh-CN" dirty="0" smtClean="0"/>
+          </a:p>
+          <a:p>
+            <a:pPr lvl="1"/>
+            <a:r>
+              <a:rPr lang="zh-CN" altLang="en-US" dirty="0" smtClean="0"/>
+              <a:t>创建表</a:t>
+            </a:r>
+            <a:endParaRPr lang="en-US" altLang="zh-CN" dirty="0" smtClean="0"/>
+          </a:p>
+          <a:p>
+            <a:pPr lvl="1"/>
+            <a:r>
+              <a:rPr lang="zh-CN" altLang="en-US" dirty="0" smtClean="0"/>
+              <a:t>查看表</a:t>
+            </a:r>
+            <a:endParaRPr lang="en-US" altLang="zh-CN" dirty="0" smtClean="0"/>
+          </a:p>
+          <a:p>
+            <a:pPr lvl="1"/>
+            <a:r>
+              <a:rPr lang="zh-CN" altLang="en-US" dirty="0" smtClean="0"/>
+              <a:t>查看表结构</a:t>
+            </a:r>
+            <a:endParaRPr lang="en-US" altLang="zh-CN" dirty="0" smtClean="0"/>
+          </a:p>
+          <a:p>
+            <a:pPr lvl="1"/>
+            <a:r>
+              <a:rPr lang="zh-CN" altLang="en-US" dirty="0" smtClean="0"/>
+              <a:t>删除表</a:t>
+            </a:r>
+            <a:endParaRPr lang="en-US" altLang="zh-CN" dirty="0" smtClean="0"/>
+          </a:p>
+          <a:p>
+            <a:pPr lvl="1"/>
+            <a:r>
+              <a:rPr lang="zh-CN" altLang="en-US" dirty="0" smtClean="0"/>
+              <a:t>修改表</a:t>
+            </a:r>
+            <a:endParaRPr lang="en-US" altLang="zh-CN" dirty="0" smtClean="0"/>
+          </a:p>
+          <a:p>
+            <a:r>
+              <a:rPr lang="zh-CN" altLang="en-US" dirty="0" smtClean="0"/>
+              <a:t>数据行</a:t>
+            </a:r>
+            <a:endParaRPr lang="en-US" altLang="zh-CN" dirty="0" smtClean="0"/>
+          </a:p>
+          <a:p>
+            <a:pPr lvl="1"/>
+            <a:r>
+              <a:rPr lang="zh-CN" altLang="en-US" dirty="0" smtClean="0"/>
+              <a:t>插入数据</a:t>
+            </a:r>
+            <a:endParaRPr lang="en-US" altLang="zh-CN" dirty="0" smtClean="0"/>
+          </a:p>
+          <a:p>
+            <a:pPr lvl="1"/>
+            <a:r>
+              <a:rPr lang="zh-CN" altLang="en-US" dirty="0" smtClean="0"/>
+              <a:t>删除数据</a:t>
+            </a:r>
+            <a:endParaRPr lang="en-US" altLang="zh-CN" dirty="0" smtClean="0"/>
+          </a:p>
+          <a:p>
+            <a:pPr lvl="1"/>
+            <a:r>
+              <a:rPr lang="zh-CN" altLang="en-US" dirty="0" smtClean="0"/>
+              <a:t>修改数据</a:t>
+            </a:r>
+            <a:endParaRPr lang="en-US" altLang="zh-CN" dirty="0" smtClean="0"/>
+          </a:p>
+          <a:p>
+            <a:pPr lvl="1"/>
+            <a:r>
+              <a:rPr lang="zh-CN" altLang="en-US" dirty="0" smtClean="0"/>
+              <a:t>查询数据 </a:t>
             </a:r>
             <a:endParaRPr lang="zh-CN" altLang="en-US" dirty="0"/>
           </a:p>
@@ -3811,73 +3902,111 @@
           <a:lstStyle/>
           <a:p>
             <a:r>
-              <a:rPr lang="zh-CN" altLang="en-US" dirty="0" smtClean="0"/>
-              <a:t>使用</a:t>
-            </a:r>
-            <a:r>
-              <a:rPr lang="en-US" altLang="zh-CN" dirty="0" err="1" smtClean="0"/>
-              <a:t>php</a:t>
-            </a:r>
-            <a:r>
-              <a:rPr lang="zh-CN" altLang="en-US" dirty="0" smtClean="0"/>
-              <a:t>连接到数据库</a:t>
-            </a:r>
-            <a:endParaRPr lang="zh-CN" altLang="en-US" dirty="0"/>
-          </a:p>
-        </p:txBody>
-      </p:sp>
-      <p:sp>
-        <p:nvSpPr>
-          <p:cNvPr id="3" name="内容占位符 2"/>
-          <p:cNvSpPr>
-            <a:spLocks noGrp="1"/>
-          </p:cNvSpPr>
-          <p:nvPr>
-            <p:ph idx="1"/>
-          </p:nvPr>
-        </p:nvSpPr>
-        <p:spPr/>
-        <p:txBody>
-          <a:bodyPr/>
-          <a:lstStyle/>
-          <a:p>
-            <a:r>
-              <a:rPr lang="en-US" altLang="zh-CN" dirty="0" err="1" smtClean="0"/>
-              <a:t>pdo</a:t>
-            </a:r>
-            <a:endParaRPr lang="en-US" altLang="zh-CN" dirty="0" smtClean="0"/>
-          </a:p>
-          <a:p>
-            <a:pPr lvl="1"/>
-            <a:r>
-              <a:rPr lang="zh-CN" altLang="en-US" dirty="0" smtClean="0"/>
-              <a:t>连接数据库</a:t>
-            </a:r>
-            <a:endParaRPr lang="en-US" altLang="zh-CN" dirty="0" smtClean="0"/>
-          </a:p>
-          <a:p>
-            <a:pPr lvl="1"/>
-            <a:r>
-              <a:rPr lang="zh-CN" altLang="en-US" dirty="0" smtClean="0"/>
-              <a:t>执行</a:t>
-            </a:r>
-            <a:r>
               <a:rPr lang="en-US" altLang="zh-CN" dirty="0" err="1" smtClean="0"/>
               <a:t>sql</a:t>
             </a:r>
             <a:r>
               <a:rPr lang="zh-CN" altLang="en-US" dirty="0" smtClean="0"/>
-              <a:t>语句</a:t>
-            </a:r>
-            <a:endParaRPr lang="en-US" altLang="zh-CN" dirty="0" smtClean="0"/>
-          </a:p>
-          <a:p>
-            <a:pPr lvl="1"/>
-            <a:r>
-              <a:rPr lang="zh-CN" altLang="en-US" dirty="0" smtClean="0"/>
-              <a:t>读取查询结果</a:t>
-            </a:r>
-            <a:endParaRPr lang="en-US" altLang="zh-CN" dirty="0" smtClean="0"/>
+              <a:t>常用函数</a:t>
+            </a:r>
+            <a:endParaRPr lang="zh-CN" altLang="en-US" dirty="0"/>
+          </a:p>
+        </p:txBody>
+      </p:sp>
+      <p:sp>
+        <p:nvSpPr>
+          <p:cNvPr id="3" name="内容占位符 2"/>
+          <p:cNvSpPr>
+            <a:spLocks noGrp="1"/>
+          </p:cNvSpPr>
+          <p:nvPr>
+            <p:ph idx="1"/>
+          </p:nvPr>
+        </p:nvSpPr>
+        <p:spPr/>
+        <p:txBody>
+          <a:bodyPr>
+            <a:normAutofit fontScale="77500" lnSpcReduction="20000"/>
+          </a:bodyPr>
+          <a:lstStyle/>
+          <a:p>
+            <a:r>
+              <a:rPr lang="en-US" altLang="zh-CN" dirty="0" smtClean="0"/>
+              <a:t>sum()</a:t>
+            </a:r>
+          </a:p>
+          <a:p>
+            <a:r>
+              <a:rPr lang="en-US" altLang="zh-CN" dirty="0" smtClean="0"/>
+              <a:t>count()</a:t>
+            </a:r>
+          </a:p>
+          <a:p>
+            <a:r>
+              <a:rPr lang="en-US" altLang="zh-CN" dirty="0" err="1" smtClean="0"/>
+              <a:t>avg</a:t>
+            </a:r>
+            <a:r>
+              <a:rPr lang="en-US" altLang="zh-CN" dirty="0" smtClean="0"/>
+              <a:t>()</a:t>
+            </a:r>
+          </a:p>
+          <a:p>
+            <a:r>
+              <a:rPr lang="en-US" altLang="zh-CN" dirty="0" smtClean="0"/>
+              <a:t>max()</a:t>
+            </a:r>
+          </a:p>
+          <a:p>
+            <a:r>
+              <a:rPr lang="en-US" altLang="zh-CN" dirty="0" smtClean="0"/>
+              <a:t>min()</a:t>
+            </a:r>
+          </a:p>
+          <a:p>
+            <a:r>
+              <a:rPr lang="en-US" altLang="zh-CN" dirty="0" smtClean="0"/>
+              <a:t>group by</a:t>
+            </a:r>
+          </a:p>
+          <a:p>
+            <a:r>
+              <a:rPr lang="en-US" altLang="zh-CN" dirty="0" smtClean="0"/>
+              <a:t>mid()</a:t>
+            </a:r>
+          </a:p>
+          <a:p>
+            <a:r>
+              <a:rPr lang="en-US" altLang="zh-CN" dirty="0" err="1" smtClean="0"/>
+              <a:t>len</a:t>
+            </a:r>
+            <a:r>
+              <a:rPr lang="en-US" altLang="zh-CN" dirty="0" smtClean="0"/>
+              <a:t>()</a:t>
+            </a:r>
+          </a:p>
+          <a:p>
+            <a:r>
+              <a:rPr lang="en-US" altLang="zh-CN" dirty="0" smtClean="0"/>
+              <a:t>now()</a:t>
+            </a:r>
+          </a:p>
+          <a:p>
+            <a:r>
+              <a:rPr lang="en-US" altLang="zh-CN" dirty="0" err="1" smtClean="0"/>
+              <a:t>date_format</a:t>
+            </a:r>
+            <a:r>
+              <a:rPr lang="en-US" altLang="zh-CN" dirty="0" smtClean="0"/>
+              <a:t>()</a:t>
+            </a:r>
+          </a:p>
+          <a:p>
+            <a:r>
+              <a:rPr lang="en-US" altLang="zh-CN" dirty="0" smtClean="0"/>
+              <a:t>format()</a:t>
+            </a:r>
+            <a:endParaRPr lang="zh-CN" altLang="en-US" dirty="0"/>
           </a:p>
         </p:txBody>
       </p:sp>
@@ -3923,11 +4052,15 @@
           <a:p>
             <a:r>
               <a:rPr lang="zh-CN" altLang="en-US" dirty="0" smtClean="0"/>
-              <a:t>实现一个简易</a:t>
+              <a:t>使用</a:t>
             </a:r>
             <a:r>
               <a:rPr lang="en-US" altLang="zh-CN" dirty="0" err="1" smtClean="0"/>
-              <a:t>orm</a:t>
+              <a:t>php</a:t>
+            </a:r>
+            <a:r>
+              <a:rPr lang="zh-CN" altLang="en-US" dirty="0" smtClean="0"/>
+              <a:t>连接到数据库</a:t>
             </a:r>
             <a:endParaRPr lang="zh-CN" altLang="en-US" dirty="0"/>
           </a:p>
@@ -3949,15 +4082,24 @@
           <a:lstStyle/>
           <a:p>
             <a:r>
-              <a:rPr lang="zh-CN" altLang="en-US" dirty="0" smtClean="0"/>
-              <a:t>封装重复代码</a:t>
+              <a:rPr lang="en-US" altLang="zh-CN" dirty="0" err="1" smtClean="0"/>
+              <a:t>pdo</a:t>
             </a:r>
             <a:endParaRPr lang="en-US" altLang="zh-CN" dirty="0" smtClean="0"/>
           </a:p>
           <a:p>
-            <a:r>
-              <a:rPr lang="zh-CN" altLang="en-US" dirty="0" smtClean="0"/>
-              <a:t>屏蔽</a:t>
+            <a:pPr lvl="1"/>
+            <a:r>
+              <a:rPr lang="zh-CN" altLang="en-US" dirty="0" smtClean="0"/>
+              <a:t>连接数据库</a:t>
+            </a:r>
+            <a:endParaRPr lang="en-US" altLang="zh-CN" dirty="0" smtClean="0"/>
+          </a:p>
+          <a:p>
+            <a:pPr lvl="1"/>
+            <a:r>
+              <a:rPr lang="zh-CN" altLang="en-US" dirty="0" smtClean="0"/>
+              <a:t>执行</a:t>
             </a:r>
             <a:r>
               <a:rPr lang="en-US" altLang="zh-CN" dirty="0" err="1" smtClean="0"/>
@@ -3965,24 +4107,17 @@
             </a:r>
             <a:r>
               <a:rPr lang="zh-CN" altLang="en-US" dirty="0" smtClean="0"/>
-              <a:t>语句拼接过程</a:t>
+              <a:t>语句</a:t>
             </a:r>
             <a:endParaRPr lang="en-US" altLang="zh-CN" dirty="0" smtClean="0"/>
           </a:p>
           <a:p>
-            <a:r>
-              <a:rPr lang="zh-CN" altLang="en-US" dirty="0" smtClean="0"/>
-              <a:t>提供高级</a:t>
-            </a:r>
-            <a:r>
-              <a:rPr lang="en-US" altLang="zh-CN" dirty="0" err="1" smtClean="0"/>
-              <a:t>api</a:t>
-            </a:r>
-            <a:r>
-              <a:rPr lang="zh-CN" altLang="en-US" dirty="0" smtClean="0"/>
-              <a:t>便于操作数据库</a:t>
-            </a:r>
-            <a:endParaRPr lang="zh-CN" altLang="en-US" dirty="0"/>
+            <a:pPr lvl="1"/>
+            <a:r>
+              <a:rPr lang="zh-CN" altLang="en-US" dirty="0" smtClean="0"/>
+              <a:t>读取查询结果</a:t>
+            </a:r>
+            <a:endParaRPr lang="en-US" altLang="zh-CN" dirty="0" smtClean="0"/>
           </a:p>
         </p:txBody>
       </p:sp>
@@ -4028,16 +4163,12 @@
           <a:p>
             <a:r>
               <a:rPr lang="zh-CN" altLang="en-US" dirty="0" smtClean="0"/>
-              <a:t>使用</a:t>
+              <a:t>实现一个简易</a:t>
             </a:r>
             <a:r>
               <a:rPr lang="en-US" altLang="zh-CN" dirty="0" err="1" smtClean="0"/>
               <a:t>orm</a:t>
             </a:r>
-            <a:r>
-              <a:rPr lang="zh-CN" altLang="en-US" dirty="0" smtClean="0"/>
-              <a:t>完成学生管理系统</a:t>
-            </a:r>
             <a:endParaRPr lang="zh-CN" altLang="en-US" dirty="0"/>
           </a:p>
         </p:txBody>
@@ -4059,45 +4190,39 @@
           <a:p>
             <a:r>
               <a:rPr lang="zh-CN" altLang="en-US" dirty="0" smtClean="0"/>
-              <a:t>系统要求</a:t>
+              <a:t>封装重复代码</a:t>
             </a:r>
             <a:endParaRPr lang="en-US" altLang="zh-CN" dirty="0" smtClean="0"/>
           </a:p>
           <a:p>
-            <a:pPr lvl="1"/>
-            <a:r>
-              <a:rPr lang="zh-CN" altLang="en-US" dirty="0" smtClean="0"/>
-              <a:t>前端页面展示</a:t>
+            <a:r>
+              <a:rPr lang="zh-CN" altLang="en-US" dirty="0" smtClean="0"/>
+              <a:t>屏蔽</a:t>
+            </a:r>
+            <a:r>
+              <a:rPr lang="en-US" altLang="zh-CN" dirty="0" err="1" smtClean="0"/>
+              <a:t>sql</a:t>
+            </a:r>
+            <a:r>
+              <a:rPr lang="zh-CN" altLang="en-US" dirty="0" smtClean="0"/>
+              <a:t>语句拼接过程</a:t>
             </a:r>
             <a:endParaRPr lang="en-US" altLang="zh-CN" dirty="0" smtClean="0"/>
           </a:p>
           <a:p>
-            <a:pPr lvl="1"/>
-            <a:r>
-              <a:rPr lang="zh-CN" altLang="en-US" dirty="0" smtClean="0"/>
-              <a:t>学生</a:t>
-            </a:r>
-            <a:r>
-              <a:rPr lang="zh-CN" altLang="en-US" dirty="0" smtClean="0"/>
-              <a:t>信息表设计</a:t>
-            </a:r>
-            <a:endParaRPr lang="en-US" altLang="zh-CN" dirty="0" smtClean="0"/>
-          </a:p>
-          <a:p>
-            <a:pPr lvl="1"/>
-            <a:r>
-              <a:rPr lang="zh-CN" altLang="en-US" dirty="0" smtClean="0"/>
-              <a:t>学生信息增删改查</a:t>
-            </a:r>
-            <a:endParaRPr lang="en-US" altLang="zh-CN" dirty="0" smtClean="0"/>
-          </a:p>
-          <a:p>
-            <a:pPr lvl="1"/>
-            <a:r>
-              <a:rPr lang="zh-CN" altLang="en-US" smtClean="0"/>
-              <a:t>增加登陆功能</a:t>
-            </a:r>
-            <a:endParaRPr lang="en-US" altLang="zh-CN" smtClean="0"/>
+            <a:r>
+              <a:rPr lang="zh-CN" altLang="en-US" dirty="0" smtClean="0"/>
+              <a:t>提供高级</a:t>
+            </a:r>
+            <a:r>
+              <a:rPr lang="en-US" altLang="zh-CN" dirty="0" err="1" smtClean="0"/>
+              <a:t>api</a:t>
+            </a:r>
+            <a:r>
+              <a:rPr lang="zh-CN" altLang="en-US" dirty="0" smtClean="0"/>
+              <a:t>便于操作数据库</a:t>
+            </a:r>
+            <a:endParaRPr lang="zh-CN" altLang="en-US" dirty="0"/>
           </a:p>
         </p:txBody>
       </p:sp>
